--- a/docs/dns-tutorial-lacnic-cap03-04.pptx
+++ b/docs/dns-tutorial-lacnic-cap03-04.pptx
@@ -305,7 +305,7 @@
             <a:fld id="{9F1CCEEF-BC20-F840-8722-67753655753B}" type="datetimeFigureOut">
               <a:rPr lang="en-US"/>
               <a:pPr/>
-              <a:t>1/28/19</a:t>
+              <a:t>1/30/19</a:t>
             </a:fld>
             <a:endParaRPr lang="en-US"/>
           </a:p>
@@ -504,7 +504,7 @@
             <a:fld id="{BDEFDD4B-0287-F242-BDCC-8DDBDC5E41A2}" type="datetimeFigureOut">
               <a:rPr lang="en-US"/>
               <a:pPr/>
-              <a:t>1/28/19</a:t>
+              <a:t>1/30/19</a:t>
             </a:fld>
             <a:endParaRPr lang="en-US"/>
           </a:p>
@@ -2726,6 +2726,91 @@
         </p:txBody>
       </p:sp>
     </p:spTree>
+  </p:cSld>
+  <p:clrMapOvr>
+    <a:masterClrMapping/>
+  </p:clrMapOvr>
+</p:notes>
+</file>
+
+<file path=ppt/notesSlides/notesSlide7.xml><?xml version="1.0" encoding="utf-8"?>
+<p:notes xmlns:a="http://schemas.openxmlformats.org/drawingml/2006/main" xmlns:r="http://schemas.openxmlformats.org/officeDocument/2006/relationships" xmlns:p="http://schemas.openxmlformats.org/presentationml/2006/main">
+  <p:cSld>
+    <p:spTree>
+      <p:nvGrpSpPr>
+        <p:cNvPr id="1" name=""/>
+        <p:cNvGrpSpPr/>
+        <p:nvPr/>
+      </p:nvGrpSpPr>
+      <p:grpSpPr>
+        <a:xfrm>
+          <a:off x="0" y="0"/>
+          <a:ext cx="0" cy="0"/>
+          <a:chOff x="0" y="0"/>
+          <a:chExt cx="0" cy="0"/>
+        </a:xfrm>
+      </p:grpSpPr>
+      <p:sp>
+        <p:nvSpPr>
+          <p:cNvPr id="2" name="Slide Image Placeholder 1"/>
+          <p:cNvSpPr>
+            <a:spLocks noGrp="1" noRot="1" noChangeAspect="1"/>
+          </p:cNvSpPr>
+          <p:nvPr>
+            <p:ph type="sldImg"/>
+          </p:nvPr>
+        </p:nvSpPr>
+        <p:spPr/>
+      </p:sp>
+      <p:sp>
+        <p:nvSpPr>
+          <p:cNvPr id="3" name="Notes Placeholder 2"/>
+          <p:cNvSpPr>
+            <a:spLocks noGrp="1"/>
+          </p:cNvSpPr>
+          <p:nvPr>
+            <p:ph type="body" idx="1"/>
+          </p:nvPr>
+        </p:nvSpPr>
+        <p:spPr/>
+        <p:txBody>
+          <a:bodyPr/>
+          <a:lstStyle/>
+          <a:p>
+            <a:endParaRPr lang="en-US" dirty="0"/>
+          </a:p>
+        </p:txBody>
+      </p:sp>
+      <p:sp>
+        <p:nvSpPr>
+          <p:cNvPr id="4" name="Slide Number Placeholder 3"/>
+          <p:cNvSpPr>
+            <a:spLocks noGrp="1"/>
+          </p:cNvSpPr>
+          <p:nvPr>
+            <p:ph type="sldNum" sz="quarter" idx="5"/>
+          </p:nvPr>
+        </p:nvSpPr>
+        <p:spPr/>
+        <p:txBody>
+          <a:bodyPr/>
+          <a:lstStyle/>
+          <a:p>
+            <a:fld id="{F55E3D29-7F8B-5244-B0AC-3BA117A7215E}" type="slidenum">
+              <a:rPr lang="en-US" smtClean="0"/>
+              <a:pPr/>
+              <a:t>35</a:t>
+            </a:fld>
+            <a:endParaRPr lang="en-US"/>
+          </a:p>
+        </p:txBody>
+      </p:sp>
+    </p:spTree>
+    <p:extLst>
+      <p:ext uri="{BB962C8B-B14F-4D97-AF65-F5344CB8AC3E}">
+        <p14:creationId xmlns:p14="http://schemas.microsoft.com/office/powerpoint/2010/main" val="3545441245"/>
+      </p:ext>
+    </p:extLst>
   </p:cSld>
   <p:clrMapOvr>
     <a:masterClrMapping/>
@@ -14866,7 +14951,7 @@
 </file>
 
 <file path=ppt/slides/slide12.xml><?xml version="1.0" encoding="utf-8"?>
-<p:sld xmlns:a="http://schemas.openxmlformats.org/drawingml/2006/main" xmlns:r="http://schemas.openxmlformats.org/officeDocument/2006/relationships" xmlns:p="http://schemas.openxmlformats.org/presentationml/2006/main">
+<p:sld xmlns:a="http://schemas.openxmlformats.org/drawingml/2006/main" xmlns:r="http://schemas.openxmlformats.org/officeDocument/2006/relationships" xmlns:p="http://schemas.openxmlformats.org/presentationml/2006/main" show="0">
   <p:cSld>
     <p:spTree>
       <p:nvGrpSpPr>
@@ -21090,7 +21175,7 @@
         </p:blipFill>
         <p:spPr bwMode="auto">
           <a:xfrm>
-            <a:off x="1239058" y="1591473"/>
+            <a:off x="749770" y="1591473"/>
             <a:ext cx="4974358" cy="2940831"/>
           </a:xfrm>
           <a:prstGeom prst="rect">
@@ -22316,7 +22401,7 @@
         </p:blipFill>
         <p:spPr>
           <a:xfrm>
-            <a:off x="5748333" y="1493446"/>
+            <a:off x="6537311" y="3018708"/>
             <a:ext cx="1908670" cy="1399239"/>
           </a:xfrm>
           <a:prstGeom prst="rect">
